--- a/Fake News Detection/Fake News Detection.pptx
+++ b/Fake News Detection/Fake News Detection.pptx
@@ -270,7 +270,7 @@
             <a:pPr rtl="0"/>
             <a:fld id="{EB190EFE-CCCB-4DCD-B1CF-8C3CB119D6FE}" type="datetime1">
               <a:rPr lang="it-IT" smtClean="0"/>
-              <a:t>27/02/2024</a:t>
+              <a:t>06/05/2024</a:t>
             </a:fld>
             <a:endParaRPr lang="it-IT" dirty="0"/>
           </a:p>
@@ -451,7 +451,7 @@
             <a:fld id="{526AC070-77AE-44FC-B0C8-108B581F9765}" type="datetime1">
               <a:rPr lang="it-IT" noProof="0" smtClean="0"/>
               <a:pPr/>
-              <a:t>27/02/2024</a:t>
+              <a:t>06/05/2024</a:t>
             </a:fld>
             <a:endParaRPr lang="it-IT" noProof="0" dirty="0"/>
           </a:p>
@@ -3211,7 +3211,7 @@
             <a:pPr rtl="0"/>
             <a:fld id="{73953276-A596-464E-8131-16FDC4642D35}" type="datetime1">
               <a:rPr lang="it-IT" noProof="0" smtClean="0"/>
-              <a:t>27/02/2024</a:t>
+              <a:t>06/05/2024</a:t>
             </a:fld>
             <a:endParaRPr lang="it-IT" noProof="0" dirty="0"/>
           </a:p>
@@ -3415,7 +3415,7 @@
             <a:pPr rtl="0"/>
             <a:fld id="{59F66E3F-D06F-47DA-A95C-C846DE23F8C0}" type="datetime1">
               <a:rPr lang="it-IT" noProof="0" smtClean="0"/>
-              <a:t>27/02/2024</a:t>
+              <a:t>06/05/2024</a:t>
             </a:fld>
             <a:endParaRPr lang="it-IT" noProof="0" dirty="0"/>
           </a:p>
@@ -3629,7 +3629,7 @@
             <a:pPr rtl="0"/>
             <a:fld id="{46FE6513-E3C7-4048-AC2F-41B0D1F6D895}" type="datetime1">
               <a:rPr lang="it-IT" noProof="0" smtClean="0"/>
-              <a:t>27/02/2024</a:t>
+              <a:t>06/05/2024</a:t>
             </a:fld>
             <a:endParaRPr lang="it-IT" noProof="0" dirty="0"/>
           </a:p>
@@ -3833,7 +3833,7 @@
             <a:pPr rtl="0"/>
             <a:fld id="{4CA1E7DF-6F8F-47CE-8C70-53A994FBF180}" type="datetime1">
               <a:rPr lang="it-IT" noProof="0" smtClean="0"/>
-              <a:t>27/02/2024</a:t>
+              <a:t>06/05/2024</a:t>
             </a:fld>
             <a:endParaRPr lang="it-IT" noProof="0" dirty="0"/>
           </a:p>
@@ -4113,7 +4113,7 @@
             <a:pPr rtl="0"/>
             <a:fld id="{2CFB8710-ABAB-4285-AF31-02779743E1F4}" type="datetime1">
               <a:rPr lang="it-IT" noProof="0" smtClean="0"/>
-              <a:t>27/02/2024</a:t>
+              <a:t>06/05/2024</a:t>
             </a:fld>
             <a:endParaRPr lang="it-IT" noProof="0" dirty="0"/>
           </a:p>
@@ -4385,7 +4385,7 @@
             <a:pPr rtl="0"/>
             <a:fld id="{FE1FD3F1-0F70-4F3C-841E-3B4B1A9982AD}" type="datetime1">
               <a:rPr lang="it-IT" noProof="0" smtClean="0"/>
-              <a:t>27/02/2024</a:t>
+              <a:t>06/05/2024</a:t>
             </a:fld>
             <a:endParaRPr lang="it-IT" noProof="0" dirty="0"/>
           </a:p>
@@ -4804,7 +4804,7 @@
             <a:pPr rtl="0"/>
             <a:fld id="{3195CD94-E959-4436-A899-6BFB5CD81E9E}" type="datetime1">
               <a:rPr lang="it-IT" noProof="0" smtClean="0"/>
-              <a:t>27/02/2024</a:t>
+              <a:t>06/05/2024</a:t>
             </a:fld>
             <a:endParaRPr lang="it-IT" noProof="0" dirty="0"/>
           </a:p>
@@ -4950,7 +4950,7 @@
             <a:pPr rtl="0"/>
             <a:fld id="{327B0C7F-749B-466A-A38A-03B1C8A2F06C}" type="datetime1">
               <a:rPr lang="it-IT" noProof="0" smtClean="0"/>
-              <a:t>27/02/2024</a:t>
+              <a:t>06/05/2024</a:t>
             </a:fld>
             <a:endParaRPr lang="it-IT" noProof="0" dirty="0"/>
           </a:p>
@@ -5066,7 +5066,7 @@
             <a:pPr rtl="0"/>
             <a:fld id="{DEC309BE-2E90-45F2-A626-98CE1308C9C4}" type="datetime1">
               <a:rPr lang="it-IT" noProof="0" smtClean="0"/>
-              <a:t>27/02/2024</a:t>
+              <a:t>06/05/2024</a:t>
             </a:fld>
             <a:endParaRPr lang="it-IT" noProof="0" dirty="0"/>
           </a:p>
@@ -5383,7 +5383,7 @@
             <a:pPr rtl="0"/>
             <a:fld id="{D7D791A9-9A19-4C7D-9EDF-F6B9F670B73C}" type="datetime1">
               <a:rPr lang="it-IT" noProof="0" smtClean="0"/>
-              <a:t>27/02/2024</a:t>
+              <a:t>06/05/2024</a:t>
             </a:fld>
             <a:endParaRPr lang="it-IT" noProof="0" dirty="0"/>
           </a:p>
@@ -5681,7 +5681,7 @@
             <a:pPr rtl="0"/>
             <a:fld id="{1C87147A-BE07-4D89-850F-642EAF1AAEA9}" type="datetime1">
               <a:rPr lang="it-IT" noProof="0" smtClean="0"/>
-              <a:t>27/02/2024</a:t>
+              <a:t>06/05/2024</a:t>
             </a:fld>
             <a:endParaRPr lang="it-IT" noProof="0" dirty="0"/>
           </a:p>
@@ -5926,7 +5926,7 @@
             <a:pPr rtl="0"/>
             <a:fld id="{750AD8DE-E201-43F1-B9CB-48547493CA6A}" type="datetime1">
               <a:rPr lang="it-IT" noProof="0" smtClean="0"/>
-              <a:t>27/02/2024</a:t>
+              <a:t>06/05/2024</a:t>
             </a:fld>
             <a:endParaRPr lang="it-IT" noProof="0" dirty="0"/>
           </a:p>
@@ -8419,7 +8419,7 @@
                 </a:solidFill>
                 <a:latin typeface="+mn-lt"/>
               </a:rPr>
-              <a:t>Baesyano</a:t>
+              <a:t>Bayesiano</a:t>
             </a:r>
             <a:endParaRPr lang="it-IT" sz="2800" b="1" dirty="0">
               <a:solidFill>
@@ -9011,7 +9011,7 @@
                   </a:schemeClr>
                 </a:solidFill>
               </a:rPr>
-              <a:t>Baesyano</a:t>
+              <a:t>Bayesiano</a:t>
             </a:r>
             <a:endParaRPr lang="it-IT" sz="2800" dirty="0">
               <a:solidFill>
